--- a/Web Design & Development/5. JavaScript OOP - ✘/02. JavaScript OOP/JavaScript-OOP.pptx
+++ b/Web Design & Development/5. JavaScript OOP - ✘/02. JavaScript OOP/JavaScript-OOP.pptx
@@ -248,7 +248,7 @@
           <a:p>
             <a:fld id="{A4104AAA-59F5-4B14-9528-BC29175B4F0F}" type="datetimeFigureOut">
               <a:rPr lang="en-US" smtClean="0"/>
-              <a:t>19-Apr-13</a:t>
+              <a:t>7/3/2014</a:t>
             </a:fld>
             <a:endParaRPr lang="en-US"/>
           </a:p>
@@ -18533,13 +18533,8 @@
             </a:r>
             <a:r>
               <a:rPr lang="en-US" sz="2800" dirty="0"/>
-              <a:t>a hierarchy of classes to simulate </a:t>
-            </a:r>
-            <a:r>
-              <a:rPr lang="en-US" sz="2800" dirty="0"/>
-              <a:t>vehicles</a:t>
-            </a:r>
-            <a:endParaRPr lang="en-US" sz="2800" dirty="0"/>
+              <a:t>a hierarchy of classes to simulate vehicles</a:t>
+            </a:r>
           </a:p>
           <a:p>
             <a:pPr lvl="1">
@@ -18658,13 +18653,8 @@
             </a:r>
             <a:r>
               <a:rPr lang="en-US" sz="2800" dirty="0"/>
-              <a:t>a hierarchy of classes to simulate </a:t>
-            </a:r>
-            <a:r>
-              <a:rPr lang="en-US" sz="2800" dirty="0"/>
-              <a:t>vehicles</a:t>
-            </a:r>
-            <a:endParaRPr lang="en-US" sz="2800" dirty="0"/>
+              <a:t>a hierarchy of classes to simulate vehicles</a:t>
+            </a:r>
           </a:p>
           <a:p>
             <a:pPr lvl="1">
@@ -18788,13 +18778,8 @@
             </a:r>
             <a:r>
               <a:rPr lang="en-US" sz="2800" dirty="0"/>
-              <a:t>a hierarchy of classes to simulate </a:t>
-            </a:r>
-            <a:r>
-              <a:rPr lang="en-US" sz="2800" dirty="0"/>
-              <a:t>vehicles</a:t>
-            </a:r>
-            <a:endParaRPr lang="en-US" sz="2800" dirty="0"/>
+              <a:t>a hierarchy of classes to simulate vehicles</a:t>
+            </a:r>
           </a:p>
           <a:p>
             <a:pPr lvl="1">
